--- a/Image/traininf.pptx
+++ b/Image/traininf.pptx
@@ -104,6 +104,11 @@
       </a:defRPr>
     </a:lvl9pPr>
   </p:defaultTextStyle>
+  <p:extLst>
+    <p:ext uri="{EFAFB233-063F-42B5-8137-9DF3F51BA10A}">
+      <p15:sldGuideLst xmlns:p15="http://schemas.microsoft.com/office/powerpoint/2012/main"/>
+    </p:ext>
+  </p:extLst>
 </p:presentation>
 </file>
 
@@ -254,7 +259,7 @@
           <a:p>
             <a:fld id="{A655CD08-1559-4495-A80D-F65FD727131E}" type="datetimeFigureOut">
               <a:rPr lang="fr-FR" smtClean="0"/>
-              <a:t>19/06/2020</a:t>
+              <a:t>11/08/2020</a:t>
             </a:fld>
             <a:endParaRPr lang="fr-FR"/>
           </a:p>
@@ -452,7 +457,7 @@
           <a:p>
             <a:fld id="{A655CD08-1559-4495-A80D-F65FD727131E}" type="datetimeFigureOut">
               <a:rPr lang="fr-FR" smtClean="0"/>
-              <a:t>19/06/2020</a:t>
+              <a:t>11/08/2020</a:t>
             </a:fld>
             <a:endParaRPr lang="fr-FR"/>
           </a:p>
@@ -660,7 +665,7 @@
           <a:p>
             <a:fld id="{A655CD08-1559-4495-A80D-F65FD727131E}" type="datetimeFigureOut">
               <a:rPr lang="fr-FR" smtClean="0"/>
-              <a:t>19/06/2020</a:t>
+              <a:t>11/08/2020</a:t>
             </a:fld>
             <a:endParaRPr lang="fr-FR"/>
           </a:p>
@@ -858,7 +863,7 @@
           <a:p>
             <a:fld id="{A655CD08-1559-4495-A80D-F65FD727131E}" type="datetimeFigureOut">
               <a:rPr lang="fr-FR" smtClean="0"/>
-              <a:t>19/06/2020</a:t>
+              <a:t>11/08/2020</a:t>
             </a:fld>
             <a:endParaRPr lang="fr-FR"/>
           </a:p>
@@ -1133,7 +1138,7 @@
           <a:p>
             <a:fld id="{A655CD08-1559-4495-A80D-F65FD727131E}" type="datetimeFigureOut">
               <a:rPr lang="fr-FR" smtClean="0"/>
-              <a:t>19/06/2020</a:t>
+              <a:t>11/08/2020</a:t>
             </a:fld>
             <a:endParaRPr lang="fr-FR"/>
           </a:p>
@@ -1398,7 +1403,7 @@
           <a:p>
             <a:fld id="{A655CD08-1559-4495-A80D-F65FD727131E}" type="datetimeFigureOut">
               <a:rPr lang="fr-FR" smtClean="0"/>
-              <a:t>19/06/2020</a:t>
+              <a:t>11/08/2020</a:t>
             </a:fld>
             <a:endParaRPr lang="fr-FR"/>
           </a:p>
@@ -1810,7 +1815,7 @@
           <a:p>
             <a:fld id="{A655CD08-1559-4495-A80D-F65FD727131E}" type="datetimeFigureOut">
               <a:rPr lang="fr-FR" smtClean="0"/>
-              <a:t>19/06/2020</a:t>
+              <a:t>11/08/2020</a:t>
             </a:fld>
             <a:endParaRPr lang="fr-FR"/>
           </a:p>
@@ -1951,7 +1956,7 @@
           <a:p>
             <a:fld id="{A655CD08-1559-4495-A80D-F65FD727131E}" type="datetimeFigureOut">
               <a:rPr lang="fr-FR" smtClean="0"/>
-              <a:t>19/06/2020</a:t>
+              <a:t>11/08/2020</a:t>
             </a:fld>
             <a:endParaRPr lang="fr-FR"/>
           </a:p>
@@ -2064,7 +2069,7 @@
           <a:p>
             <a:fld id="{A655CD08-1559-4495-A80D-F65FD727131E}" type="datetimeFigureOut">
               <a:rPr lang="fr-FR" smtClean="0"/>
-              <a:t>19/06/2020</a:t>
+              <a:t>11/08/2020</a:t>
             </a:fld>
             <a:endParaRPr lang="fr-FR"/>
           </a:p>
@@ -2375,7 +2380,7 @@
           <a:p>
             <a:fld id="{A655CD08-1559-4495-A80D-F65FD727131E}" type="datetimeFigureOut">
               <a:rPr lang="fr-FR" smtClean="0"/>
-              <a:t>19/06/2020</a:t>
+              <a:t>11/08/2020</a:t>
             </a:fld>
             <a:endParaRPr lang="fr-FR"/>
           </a:p>
@@ -2663,7 +2668,7 @@
           <a:p>
             <a:fld id="{A655CD08-1559-4495-A80D-F65FD727131E}" type="datetimeFigureOut">
               <a:rPr lang="fr-FR" smtClean="0"/>
-              <a:t>19/06/2020</a:t>
+              <a:t>11/08/2020</a:t>
             </a:fld>
             <a:endParaRPr lang="fr-FR"/>
           </a:p>
@@ -2904,7 +2909,7 @@
           <a:p>
             <a:fld id="{A655CD08-1559-4495-A80D-F65FD727131E}" type="datetimeFigureOut">
               <a:rPr lang="fr-FR" smtClean="0"/>
-              <a:t>19/06/2020</a:t>
+              <a:t>11/08/2020</a:t>
             </a:fld>
             <a:endParaRPr lang="fr-FR"/>
           </a:p>
@@ -3435,7 +3440,7 @@
             <a:pPr algn="ctr"/>
             <a:r>
               <a:rPr lang="fr-BE" dirty="0" err="1"/>
-              <a:t>inference</a:t>
+              <a:t>Inference</a:t>
             </a:r>
             <a:endParaRPr lang="fr-FR" dirty="0"/>
           </a:p>

--- a/Image/traininf.pptx
+++ b/Image/traininf.pptx
@@ -259,7 +259,7 @@
           <a:p>
             <a:fld id="{A655CD08-1559-4495-A80D-F65FD727131E}" type="datetimeFigureOut">
               <a:rPr lang="fr-FR" smtClean="0"/>
-              <a:t>11/08/2020</a:t>
+              <a:t>18/08/2020</a:t>
             </a:fld>
             <a:endParaRPr lang="fr-FR"/>
           </a:p>
@@ -457,7 +457,7 @@
           <a:p>
             <a:fld id="{A655CD08-1559-4495-A80D-F65FD727131E}" type="datetimeFigureOut">
               <a:rPr lang="fr-FR" smtClean="0"/>
-              <a:t>11/08/2020</a:t>
+              <a:t>18/08/2020</a:t>
             </a:fld>
             <a:endParaRPr lang="fr-FR"/>
           </a:p>
@@ -665,7 +665,7 @@
           <a:p>
             <a:fld id="{A655CD08-1559-4495-A80D-F65FD727131E}" type="datetimeFigureOut">
               <a:rPr lang="fr-FR" smtClean="0"/>
-              <a:t>11/08/2020</a:t>
+              <a:t>18/08/2020</a:t>
             </a:fld>
             <a:endParaRPr lang="fr-FR"/>
           </a:p>
@@ -863,7 +863,7 @@
           <a:p>
             <a:fld id="{A655CD08-1559-4495-A80D-F65FD727131E}" type="datetimeFigureOut">
               <a:rPr lang="fr-FR" smtClean="0"/>
-              <a:t>11/08/2020</a:t>
+              <a:t>18/08/2020</a:t>
             </a:fld>
             <a:endParaRPr lang="fr-FR"/>
           </a:p>
@@ -1138,7 +1138,7 @@
           <a:p>
             <a:fld id="{A655CD08-1559-4495-A80D-F65FD727131E}" type="datetimeFigureOut">
               <a:rPr lang="fr-FR" smtClean="0"/>
-              <a:t>11/08/2020</a:t>
+              <a:t>18/08/2020</a:t>
             </a:fld>
             <a:endParaRPr lang="fr-FR"/>
           </a:p>
@@ -1403,7 +1403,7 @@
           <a:p>
             <a:fld id="{A655CD08-1559-4495-A80D-F65FD727131E}" type="datetimeFigureOut">
               <a:rPr lang="fr-FR" smtClean="0"/>
-              <a:t>11/08/2020</a:t>
+              <a:t>18/08/2020</a:t>
             </a:fld>
             <a:endParaRPr lang="fr-FR"/>
           </a:p>
@@ -1815,7 +1815,7 @@
           <a:p>
             <a:fld id="{A655CD08-1559-4495-A80D-F65FD727131E}" type="datetimeFigureOut">
               <a:rPr lang="fr-FR" smtClean="0"/>
-              <a:t>11/08/2020</a:t>
+              <a:t>18/08/2020</a:t>
             </a:fld>
             <a:endParaRPr lang="fr-FR"/>
           </a:p>
@@ -1956,7 +1956,7 @@
           <a:p>
             <a:fld id="{A655CD08-1559-4495-A80D-F65FD727131E}" type="datetimeFigureOut">
               <a:rPr lang="fr-FR" smtClean="0"/>
-              <a:t>11/08/2020</a:t>
+              <a:t>18/08/2020</a:t>
             </a:fld>
             <a:endParaRPr lang="fr-FR"/>
           </a:p>
@@ -2069,7 +2069,7 @@
           <a:p>
             <a:fld id="{A655CD08-1559-4495-A80D-F65FD727131E}" type="datetimeFigureOut">
               <a:rPr lang="fr-FR" smtClean="0"/>
-              <a:t>11/08/2020</a:t>
+              <a:t>18/08/2020</a:t>
             </a:fld>
             <a:endParaRPr lang="fr-FR"/>
           </a:p>
@@ -2380,7 +2380,7 @@
           <a:p>
             <a:fld id="{A655CD08-1559-4495-A80D-F65FD727131E}" type="datetimeFigureOut">
               <a:rPr lang="fr-FR" smtClean="0"/>
-              <a:t>11/08/2020</a:t>
+              <a:t>18/08/2020</a:t>
             </a:fld>
             <a:endParaRPr lang="fr-FR"/>
           </a:p>
@@ -2668,7 +2668,7 @@
           <a:p>
             <a:fld id="{A655CD08-1559-4495-A80D-F65FD727131E}" type="datetimeFigureOut">
               <a:rPr lang="fr-FR" smtClean="0"/>
-              <a:t>11/08/2020</a:t>
+              <a:t>18/08/2020</a:t>
             </a:fld>
             <a:endParaRPr lang="fr-FR"/>
           </a:p>
@@ -2909,7 +2909,7 @@
           <a:p>
             <a:fld id="{A655CD08-1559-4495-A80D-F65FD727131E}" type="datetimeFigureOut">
               <a:rPr lang="fr-FR" smtClean="0"/>
-              <a:t>11/08/2020</a:t>
+              <a:t>18/08/2020</a:t>
             </a:fld>
             <a:endParaRPr lang="fr-FR"/>
           </a:p>
@@ -3326,518 +3326,539 @@
           <a:chExt cx="0" cy="0"/>
         </a:xfrm>
       </p:grpSpPr>
-      <p:sp>
-        <p:nvSpPr>
-          <p:cNvPr id="4" name="ZoneTexte 3">
-            <a:extLst>
-              <a:ext uri="{FF2B5EF4-FFF2-40B4-BE49-F238E27FC236}">
-                <a16:creationId xmlns:a16="http://schemas.microsoft.com/office/drawing/2014/main" id="{E8C47C54-12EA-47D0-B2DD-3CBC94102E3C}"/>
-              </a:ext>
-            </a:extLst>
-          </p:cNvPr>
-          <p:cNvSpPr txBox="1"/>
+      <p:grpSp>
+        <p:nvGrpSpPr>
+          <p:cNvPr id="2" name="Groupe 1">
+            <a:extLst>
+              <a:ext uri="{FF2B5EF4-FFF2-40B4-BE49-F238E27FC236}">
+                <a16:creationId xmlns:a16="http://schemas.microsoft.com/office/drawing/2014/main" id="{E5B47B8C-62AF-48C9-855C-B9EF65BC77EB}"/>
+              </a:ext>
+            </a:extLst>
+          </p:cNvPr>
+          <p:cNvGrpSpPr/>
           <p:nvPr/>
-        </p:nvSpPr>
-        <p:spPr>
+        </p:nvGrpSpPr>
+        <p:grpSpPr>
           <a:xfrm>
-            <a:off x="5068743" y="1466869"/>
-            <a:ext cx="2054514" cy="1267095"/>
+            <a:off x="2854036" y="1466869"/>
+            <a:ext cx="6853382" cy="3229226"/>
+            <a:chOff x="2854036" y="1466869"/>
+            <a:chExt cx="6853382" cy="3229226"/>
           </a:xfrm>
-          <a:prstGeom prst="rect">
-            <a:avLst/>
-          </a:prstGeom>
-          <a:noFill/>
-          <a:ln w="9525" cap="flat" cmpd="sng" algn="ctr">
-            <a:solidFill>
+        </p:grpSpPr>
+        <p:sp>
+          <p:nvSpPr>
+            <p:cNvPr id="4" name="ZoneTexte 3">
+              <a:extLst>
+                <a:ext uri="{FF2B5EF4-FFF2-40B4-BE49-F238E27FC236}">
+                  <a16:creationId xmlns:a16="http://schemas.microsoft.com/office/drawing/2014/main" id="{E8C47C54-12EA-47D0-B2DD-3CBC94102E3C}"/>
+                </a:ext>
+              </a:extLst>
+            </p:cNvPr>
+            <p:cNvSpPr txBox="1"/>
+            <p:nvPr/>
+          </p:nvSpPr>
+          <p:spPr>
+            <a:xfrm>
+              <a:off x="5068743" y="1466869"/>
+              <a:ext cx="2054514" cy="1267095"/>
+            </a:xfrm>
+            <a:prstGeom prst="rect">
+              <a:avLst/>
+            </a:prstGeom>
+            <a:noFill/>
+            <a:ln w="9525" cap="flat" cmpd="sng" algn="ctr">
+              <a:solidFill>
+                <a:schemeClr val="dk1"/>
+              </a:solidFill>
+              <a:prstDash val="solid"/>
+              <a:round/>
+              <a:headEnd type="none" w="med" len="med"/>
+              <a:tailEnd type="none" w="med" len="med"/>
+            </a:ln>
+          </p:spPr>
+          <p:style>
+            <a:lnRef idx="0">
+              <a:scrgbClr r="0" g="0" b="0"/>
+            </a:lnRef>
+            <a:fillRef idx="0">
+              <a:scrgbClr r="0" g="0" b="0"/>
+            </a:fillRef>
+            <a:effectRef idx="0">
+              <a:scrgbClr r="0" g="0" b="0"/>
+            </a:effectRef>
+            <a:fontRef idx="minor">
               <a:schemeClr val="dk1"/>
-            </a:solidFill>
-            <a:prstDash val="solid"/>
-            <a:round/>
-            <a:headEnd type="none" w="med" len="med"/>
-            <a:tailEnd type="none" w="med" len="med"/>
-          </a:ln>
-        </p:spPr>
-        <p:style>
-          <a:lnRef idx="0">
-            <a:scrgbClr r="0" g="0" b="0"/>
-          </a:lnRef>
-          <a:fillRef idx="0">
-            <a:scrgbClr r="0" g="0" b="0"/>
-          </a:fillRef>
-          <a:effectRef idx="0">
-            <a:scrgbClr r="0" g="0" b="0"/>
-          </a:effectRef>
-          <a:fontRef idx="minor">
-            <a:schemeClr val="dk1"/>
-          </a:fontRef>
-        </p:style>
-        <p:txBody>
-          <a:bodyPr wrap="square" rtlCol="0" anchor="ctr">
-            <a:normAutofit/>
-          </a:bodyPr>
-          <a:lstStyle/>
-          <a:p>
-            <a:pPr algn="ctr"/>
-            <a:r>
-              <a:rPr lang="fr-BE" dirty="0"/>
-              <a:t>Training</a:t>
-            </a:r>
-            <a:endParaRPr lang="fr-FR" dirty="0"/>
-          </a:p>
-        </p:txBody>
-      </p:sp>
-      <p:sp>
-        <p:nvSpPr>
-          <p:cNvPr id="5" name="ZoneTexte 4">
-            <a:extLst>
-              <a:ext uri="{FF2B5EF4-FFF2-40B4-BE49-F238E27FC236}">
-                <a16:creationId xmlns:a16="http://schemas.microsoft.com/office/drawing/2014/main" id="{4977E091-F3BB-43FC-B505-9335D98BAE6B}"/>
-              </a:ext>
-            </a:extLst>
-          </p:cNvPr>
-          <p:cNvSpPr txBox="1"/>
-          <p:nvPr/>
-        </p:nvSpPr>
-        <p:spPr>
-          <a:xfrm>
-            <a:off x="5068743" y="3429000"/>
-            <a:ext cx="2054514" cy="1267095"/>
-          </a:xfrm>
-          <a:prstGeom prst="rect">
-            <a:avLst/>
-          </a:prstGeom>
-          <a:noFill/>
-          <a:ln w="9525" cap="flat" cmpd="sng" algn="ctr">
-            <a:solidFill>
+            </a:fontRef>
+          </p:style>
+          <p:txBody>
+            <a:bodyPr wrap="square" rtlCol="0" anchor="ctr">
+              <a:normAutofit/>
+            </a:bodyPr>
+            <a:lstStyle/>
+            <a:p>
+              <a:pPr algn="ctr"/>
+              <a:r>
+                <a:rPr lang="fr-BE" dirty="0"/>
+                <a:t>Training</a:t>
+              </a:r>
+              <a:endParaRPr lang="fr-FR" dirty="0"/>
+            </a:p>
+          </p:txBody>
+        </p:sp>
+        <p:sp>
+          <p:nvSpPr>
+            <p:cNvPr id="5" name="ZoneTexte 4">
+              <a:extLst>
+                <a:ext uri="{FF2B5EF4-FFF2-40B4-BE49-F238E27FC236}">
+                  <a16:creationId xmlns:a16="http://schemas.microsoft.com/office/drawing/2014/main" id="{4977E091-F3BB-43FC-B505-9335D98BAE6B}"/>
+                </a:ext>
+              </a:extLst>
+            </p:cNvPr>
+            <p:cNvSpPr txBox="1"/>
+            <p:nvPr/>
+          </p:nvSpPr>
+          <p:spPr>
+            <a:xfrm>
+              <a:off x="5068743" y="3429000"/>
+              <a:ext cx="2054514" cy="1267095"/>
+            </a:xfrm>
+            <a:prstGeom prst="rect">
+              <a:avLst/>
+            </a:prstGeom>
+            <a:noFill/>
+            <a:ln w="9525" cap="flat" cmpd="sng" algn="ctr">
+              <a:solidFill>
+                <a:schemeClr val="dk1"/>
+              </a:solidFill>
+              <a:prstDash val="solid"/>
+              <a:round/>
+              <a:headEnd type="none" w="med" len="med"/>
+              <a:tailEnd type="none" w="med" len="med"/>
+            </a:ln>
+          </p:spPr>
+          <p:style>
+            <a:lnRef idx="0">
+              <a:scrgbClr r="0" g="0" b="0"/>
+            </a:lnRef>
+            <a:fillRef idx="0">
+              <a:scrgbClr r="0" g="0" b="0"/>
+            </a:fillRef>
+            <a:effectRef idx="0">
+              <a:scrgbClr r="0" g="0" b="0"/>
+            </a:effectRef>
+            <a:fontRef idx="minor">
               <a:schemeClr val="dk1"/>
-            </a:solidFill>
-            <a:prstDash val="solid"/>
-            <a:round/>
-            <a:headEnd type="none" w="med" len="med"/>
-            <a:tailEnd type="none" w="med" len="med"/>
-          </a:ln>
-        </p:spPr>
-        <p:style>
-          <a:lnRef idx="0">
-            <a:scrgbClr r="0" g="0" b="0"/>
-          </a:lnRef>
-          <a:fillRef idx="0">
-            <a:scrgbClr r="0" g="0" b="0"/>
-          </a:fillRef>
-          <a:effectRef idx="0">
-            <a:scrgbClr r="0" g="0" b="0"/>
-          </a:effectRef>
-          <a:fontRef idx="minor">
-            <a:schemeClr val="dk1"/>
-          </a:fontRef>
-        </p:style>
-        <p:txBody>
-          <a:bodyPr wrap="square" rtlCol="0" anchor="t">
-            <a:normAutofit/>
-          </a:bodyPr>
-          <a:lstStyle/>
-          <a:p>
-            <a:pPr algn="ctr"/>
-            <a:r>
-              <a:rPr lang="fr-BE" dirty="0" err="1"/>
-              <a:t>Inference</a:t>
-            </a:r>
-            <a:endParaRPr lang="fr-FR" dirty="0"/>
-          </a:p>
-        </p:txBody>
-      </p:sp>
-      <p:sp>
-        <p:nvSpPr>
-          <p:cNvPr id="6" name="Rectangle 5">
-            <a:extLst>
-              <a:ext uri="{FF2B5EF4-FFF2-40B4-BE49-F238E27FC236}">
-                <a16:creationId xmlns:a16="http://schemas.microsoft.com/office/drawing/2014/main" id="{8A377E66-5066-4E9B-A60F-4806A0F0B941}"/>
-              </a:ext>
-            </a:extLst>
-          </p:cNvPr>
-          <p:cNvSpPr/>
-          <p:nvPr/>
-        </p:nvSpPr>
-        <p:spPr>
-          <a:xfrm>
-            <a:off x="7943273" y="1736436"/>
-            <a:ext cx="1764145" cy="683491"/>
-          </a:xfrm>
-          <a:prstGeom prst="rect">
-            <a:avLst/>
-          </a:prstGeom>
-        </p:spPr>
-        <p:style>
-          <a:lnRef idx="2">
-            <a:schemeClr val="accent1">
-              <a:shade val="50000"/>
-            </a:schemeClr>
-          </a:lnRef>
-          <a:fillRef idx="1">
-            <a:schemeClr val="accent1"/>
-          </a:fillRef>
-          <a:effectRef idx="0">
-            <a:schemeClr val="accent1"/>
-          </a:effectRef>
-          <a:fontRef idx="minor">
-            <a:schemeClr val="lt1"/>
-          </a:fontRef>
-        </p:style>
-        <p:txBody>
-          <a:bodyPr rtlCol="0" anchor="ctr"/>
-          <a:lstStyle/>
-          <a:p>
-            <a:pPr algn="ctr"/>
-            <a:r>
-              <a:rPr lang="fr-BE" dirty="0"/>
-              <a:t>Model</a:t>
-            </a:r>
-            <a:endParaRPr lang="fr-FR" dirty="0"/>
-          </a:p>
-        </p:txBody>
-      </p:sp>
-      <p:sp>
-        <p:nvSpPr>
-          <p:cNvPr id="7" name="Rectangle 6">
-            <a:extLst>
-              <a:ext uri="{FF2B5EF4-FFF2-40B4-BE49-F238E27FC236}">
-                <a16:creationId xmlns:a16="http://schemas.microsoft.com/office/drawing/2014/main" id="{0A0C3D56-849D-4EE2-9885-F60ECFB3EA79}"/>
-              </a:ext>
-            </a:extLst>
-          </p:cNvPr>
-          <p:cNvSpPr/>
-          <p:nvPr/>
-        </p:nvSpPr>
-        <p:spPr>
-          <a:xfrm>
-            <a:off x="5213927" y="3939309"/>
-            <a:ext cx="1764145" cy="683491"/>
-          </a:xfrm>
-          <a:prstGeom prst="rect">
-            <a:avLst/>
-          </a:prstGeom>
-        </p:spPr>
-        <p:style>
-          <a:lnRef idx="2">
-            <a:schemeClr val="accent1">
-              <a:shade val="50000"/>
-            </a:schemeClr>
-          </a:lnRef>
-          <a:fillRef idx="1">
-            <a:schemeClr val="accent1"/>
-          </a:fillRef>
-          <a:effectRef idx="0">
-            <a:schemeClr val="accent1"/>
-          </a:effectRef>
-          <a:fontRef idx="minor">
-            <a:schemeClr val="lt1"/>
-          </a:fontRef>
-        </p:style>
-        <p:txBody>
-          <a:bodyPr rtlCol="0" anchor="ctr"/>
-          <a:lstStyle/>
-          <a:p>
-            <a:pPr algn="ctr"/>
-            <a:r>
-              <a:rPr lang="fr-BE" dirty="0"/>
-              <a:t>Model</a:t>
-            </a:r>
-            <a:endParaRPr lang="fr-FR" dirty="0"/>
-          </a:p>
-        </p:txBody>
-      </p:sp>
-      <p:sp>
-        <p:nvSpPr>
-          <p:cNvPr id="8" name="Flèche : droite 7">
-            <a:extLst>
-              <a:ext uri="{FF2B5EF4-FFF2-40B4-BE49-F238E27FC236}">
-                <a16:creationId xmlns:a16="http://schemas.microsoft.com/office/drawing/2014/main" id="{053B6AC4-2BE2-4FB9-AE15-3CF782DE2D39}"/>
-              </a:ext>
-            </a:extLst>
-          </p:cNvPr>
-          <p:cNvSpPr/>
-          <p:nvPr/>
-        </p:nvSpPr>
-        <p:spPr>
-          <a:xfrm>
-            <a:off x="7123257" y="1929543"/>
-            <a:ext cx="820016" cy="341746"/>
-          </a:xfrm>
-          <a:prstGeom prst="rightArrow">
-            <a:avLst/>
-          </a:prstGeom>
-        </p:spPr>
-        <p:style>
-          <a:lnRef idx="2">
-            <a:schemeClr val="accent1">
-              <a:shade val="50000"/>
-            </a:schemeClr>
-          </a:lnRef>
-          <a:fillRef idx="1">
-            <a:schemeClr val="accent1"/>
-          </a:fillRef>
-          <a:effectRef idx="0">
-            <a:schemeClr val="accent1"/>
-          </a:effectRef>
-          <a:fontRef idx="minor">
-            <a:schemeClr val="lt1"/>
-          </a:fontRef>
-        </p:style>
-        <p:txBody>
-          <a:bodyPr rtlCol="0" anchor="ctr"/>
-          <a:lstStyle/>
-          <a:p>
-            <a:pPr algn="ctr"/>
-            <a:endParaRPr lang="fr-FR"/>
-          </a:p>
-        </p:txBody>
-      </p:sp>
-      <p:sp>
-        <p:nvSpPr>
-          <p:cNvPr id="9" name="Flèche : droite 8">
-            <a:extLst>
-              <a:ext uri="{FF2B5EF4-FFF2-40B4-BE49-F238E27FC236}">
-                <a16:creationId xmlns:a16="http://schemas.microsoft.com/office/drawing/2014/main" id="{ACB95776-22B1-4BD3-BA0B-FF90BDE72006}"/>
-              </a:ext>
-            </a:extLst>
-          </p:cNvPr>
-          <p:cNvSpPr/>
-          <p:nvPr/>
-        </p:nvSpPr>
-        <p:spPr>
-          <a:xfrm>
-            <a:off x="4248727" y="1907308"/>
-            <a:ext cx="820016" cy="341746"/>
-          </a:xfrm>
-          <a:prstGeom prst="rightArrow">
-            <a:avLst/>
-          </a:prstGeom>
-        </p:spPr>
-        <p:style>
-          <a:lnRef idx="2">
-            <a:schemeClr val="accent1">
-              <a:shade val="50000"/>
-            </a:schemeClr>
-          </a:lnRef>
-          <a:fillRef idx="1">
-            <a:schemeClr val="accent1"/>
-          </a:fillRef>
-          <a:effectRef idx="0">
-            <a:schemeClr val="accent1"/>
-          </a:effectRef>
-          <a:fontRef idx="minor">
-            <a:schemeClr val="lt1"/>
-          </a:fontRef>
-        </p:style>
-        <p:txBody>
-          <a:bodyPr rtlCol="0" anchor="ctr"/>
-          <a:lstStyle/>
-          <a:p>
-            <a:pPr algn="ctr"/>
-            <a:endParaRPr lang="fr-FR"/>
-          </a:p>
-        </p:txBody>
-      </p:sp>
-      <p:sp>
-        <p:nvSpPr>
-          <p:cNvPr id="10" name="ZoneTexte 9">
-            <a:extLst>
-              <a:ext uri="{FF2B5EF4-FFF2-40B4-BE49-F238E27FC236}">
-                <a16:creationId xmlns:a16="http://schemas.microsoft.com/office/drawing/2014/main" id="{92A71D2E-7173-41A5-B42E-C30D34E31334}"/>
-              </a:ext>
-            </a:extLst>
-          </p:cNvPr>
-          <p:cNvSpPr txBox="1"/>
-          <p:nvPr/>
-        </p:nvSpPr>
-        <p:spPr>
-          <a:xfrm>
-            <a:off x="2854036" y="1879722"/>
-            <a:ext cx="1394691" cy="369332"/>
-          </a:xfrm>
-          <a:prstGeom prst="rect">
-            <a:avLst/>
-          </a:prstGeom>
-          <a:noFill/>
-        </p:spPr>
-        <p:txBody>
-          <a:bodyPr wrap="square" rtlCol="0">
-            <a:spAutoFit/>
-          </a:bodyPr>
-          <a:lstStyle/>
-          <a:p>
-            <a:r>
-              <a:rPr lang="fr-BE" dirty="0"/>
-              <a:t>Training data</a:t>
-            </a:r>
-            <a:endParaRPr lang="fr-FR" dirty="0"/>
-          </a:p>
-        </p:txBody>
-      </p:sp>
-      <p:sp>
-        <p:nvSpPr>
-          <p:cNvPr id="11" name="Flèche : droite 10">
-            <a:extLst>
-              <a:ext uri="{FF2B5EF4-FFF2-40B4-BE49-F238E27FC236}">
-                <a16:creationId xmlns:a16="http://schemas.microsoft.com/office/drawing/2014/main" id="{FC6F8D0B-BC2D-449A-9FE8-E440307CBBDA}"/>
-              </a:ext>
-            </a:extLst>
-          </p:cNvPr>
-          <p:cNvSpPr/>
-          <p:nvPr/>
-        </p:nvSpPr>
-        <p:spPr>
-          <a:xfrm>
-            <a:off x="4248726" y="3891674"/>
-            <a:ext cx="820016" cy="341746"/>
-          </a:xfrm>
-          <a:prstGeom prst="rightArrow">
-            <a:avLst/>
-          </a:prstGeom>
-        </p:spPr>
-        <p:style>
-          <a:lnRef idx="2">
-            <a:schemeClr val="accent1">
-              <a:shade val="50000"/>
-            </a:schemeClr>
-          </a:lnRef>
-          <a:fillRef idx="1">
-            <a:schemeClr val="accent1"/>
-          </a:fillRef>
-          <a:effectRef idx="0">
-            <a:schemeClr val="accent1"/>
-          </a:effectRef>
-          <a:fontRef idx="minor">
-            <a:schemeClr val="lt1"/>
-          </a:fontRef>
-        </p:style>
-        <p:txBody>
-          <a:bodyPr rtlCol="0" anchor="ctr"/>
-          <a:lstStyle/>
-          <a:p>
-            <a:pPr algn="ctr"/>
-            <a:endParaRPr lang="fr-FR"/>
-          </a:p>
-        </p:txBody>
-      </p:sp>
-      <p:sp>
-        <p:nvSpPr>
-          <p:cNvPr id="12" name="ZoneTexte 11">
-            <a:extLst>
-              <a:ext uri="{FF2B5EF4-FFF2-40B4-BE49-F238E27FC236}">
-                <a16:creationId xmlns:a16="http://schemas.microsoft.com/office/drawing/2014/main" id="{839C0BAA-EB97-412A-9E28-FD8CDDAEF563}"/>
-              </a:ext>
-            </a:extLst>
-          </p:cNvPr>
-          <p:cNvSpPr txBox="1"/>
-          <p:nvPr/>
-        </p:nvSpPr>
-        <p:spPr>
-          <a:xfrm>
-            <a:off x="3121891" y="3876366"/>
-            <a:ext cx="1126835" cy="369332"/>
-          </a:xfrm>
-          <a:prstGeom prst="rect">
-            <a:avLst/>
-          </a:prstGeom>
-          <a:noFill/>
-        </p:spPr>
-        <p:txBody>
-          <a:bodyPr wrap="square" rtlCol="0">
-            <a:spAutoFit/>
-          </a:bodyPr>
-          <a:lstStyle/>
-          <a:p>
-            <a:r>
-              <a:rPr lang="fr-BE" dirty="0"/>
-              <a:t>New data</a:t>
-            </a:r>
-            <a:endParaRPr lang="fr-FR" dirty="0"/>
-          </a:p>
-        </p:txBody>
-      </p:sp>
-      <p:sp>
-        <p:nvSpPr>
-          <p:cNvPr id="13" name="Flèche : droite 12">
-            <a:extLst>
-              <a:ext uri="{FF2B5EF4-FFF2-40B4-BE49-F238E27FC236}">
-                <a16:creationId xmlns:a16="http://schemas.microsoft.com/office/drawing/2014/main" id="{E23CF38A-506E-4EE0-ADAE-EFAAE9093E83}"/>
-              </a:ext>
-            </a:extLst>
-          </p:cNvPr>
-          <p:cNvSpPr/>
-          <p:nvPr/>
-        </p:nvSpPr>
-        <p:spPr>
-          <a:xfrm>
-            <a:off x="7123257" y="3891674"/>
-            <a:ext cx="820016" cy="341746"/>
-          </a:xfrm>
-          <a:prstGeom prst="rightArrow">
-            <a:avLst/>
-          </a:prstGeom>
-        </p:spPr>
-        <p:style>
-          <a:lnRef idx="2">
-            <a:schemeClr val="accent1">
-              <a:shade val="50000"/>
-            </a:schemeClr>
-          </a:lnRef>
-          <a:fillRef idx="1">
-            <a:schemeClr val="accent1"/>
-          </a:fillRef>
-          <a:effectRef idx="0">
-            <a:schemeClr val="accent1"/>
-          </a:effectRef>
-          <a:fontRef idx="minor">
-            <a:schemeClr val="lt1"/>
-          </a:fontRef>
-        </p:style>
-        <p:txBody>
-          <a:bodyPr rtlCol="0" anchor="ctr"/>
-          <a:lstStyle/>
-          <a:p>
-            <a:pPr algn="ctr"/>
-            <a:endParaRPr lang="fr-FR"/>
-          </a:p>
-        </p:txBody>
-      </p:sp>
-      <p:sp>
-        <p:nvSpPr>
-          <p:cNvPr id="14" name="ZoneTexte 13">
-            <a:extLst>
-              <a:ext uri="{FF2B5EF4-FFF2-40B4-BE49-F238E27FC236}">
-                <a16:creationId xmlns:a16="http://schemas.microsoft.com/office/drawing/2014/main" id="{EC1CECE8-1DA3-46EC-B53B-1F9F2EBAC42F}"/>
-              </a:ext>
-            </a:extLst>
-          </p:cNvPr>
-          <p:cNvSpPr txBox="1"/>
-          <p:nvPr/>
-        </p:nvSpPr>
-        <p:spPr>
-          <a:xfrm>
-            <a:off x="7943273" y="3876366"/>
-            <a:ext cx="1234498" cy="369332"/>
-          </a:xfrm>
-          <a:prstGeom prst="rect">
-            <a:avLst/>
-          </a:prstGeom>
-          <a:noFill/>
-        </p:spPr>
-        <p:txBody>
-          <a:bodyPr wrap="square" rtlCol="0">
-            <a:spAutoFit/>
-          </a:bodyPr>
-          <a:lstStyle/>
-          <a:p>
-            <a:r>
-              <a:rPr lang="fr-BE" dirty="0" err="1"/>
-              <a:t>Prediction</a:t>
-            </a:r>
-            <a:endParaRPr lang="fr-FR" dirty="0"/>
-          </a:p>
-        </p:txBody>
-      </p:sp>
+            </a:fontRef>
+          </p:style>
+          <p:txBody>
+            <a:bodyPr wrap="square" rtlCol="0" anchor="t">
+              <a:normAutofit/>
+            </a:bodyPr>
+            <a:lstStyle/>
+            <a:p>
+              <a:pPr algn="ctr"/>
+              <a:r>
+                <a:rPr lang="fr-BE" dirty="0" err="1"/>
+                <a:t>Inference</a:t>
+              </a:r>
+              <a:endParaRPr lang="fr-FR" dirty="0"/>
+            </a:p>
+          </p:txBody>
+        </p:sp>
+        <p:sp>
+          <p:nvSpPr>
+            <p:cNvPr id="6" name="Rectangle 5">
+              <a:extLst>
+                <a:ext uri="{FF2B5EF4-FFF2-40B4-BE49-F238E27FC236}">
+                  <a16:creationId xmlns:a16="http://schemas.microsoft.com/office/drawing/2014/main" id="{8A377E66-5066-4E9B-A60F-4806A0F0B941}"/>
+                </a:ext>
+              </a:extLst>
+            </p:cNvPr>
+            <p:cNvSpPr/>
+            <p:nvPr/>
+          </p:nvSpPr>
+          <p:spPr>
+            <a:xfrm>
+              <a:off x="7943273" y="1736436"/>
+              <a:ext cx="1764145" cy="683491"/>
+            </a:xfrm>
+            <a:prstGeom prst="rect">
+              <a:avLst/>
+            </a:prstGeom>
+          </p:spPr>
+          <p:style>
+            <a:lnRef idx="2">
+              <a:schemeClr val="accent1">
+                <a:shade val="50000"/>
+              </a:schemeClr>
+            </a:lnRef>
+            <a:fillRef idx="1">
+              <a:schemeClr val="accent1"/>
+            </a:fillRef>
+            <a:effectRef idx="0">
+              <a:schemeClr val="accent1"/>
+            </a:effectRef>
+            <a:fontRef idx="minor">
+              <a:schemeClr val="lt1"/>
+            </a:fontRef>
+          </p:style>
+          <p:txBody>
+            <a:bodyPr rtlCol="0" anchor="ctr"/>
+            <a:lstStyle/>
+            <a:p>
+              <a:pPr algn="ctr"/>
+              <a:r>
+                <a:rPr lang="fr-BE" dirty="0"/>
+                <a:t>Model</a:t>
+              </a:r>
+              <a:endParaRPr lang="fr-FR" dirty="0"/>
+            </a:p>
+          </p:txBody>
+        </p:sp>
+        <p:sp>
+          <p:nvSpPr>
+            <p:cNvPr id="7" name="Rectangle 6">
+              <a:extLst>
+                <a:ext uri="{FF2B5EF4-FFF2-40B4-BE49-F238E27FC236}">
+                  <a16:creationId xmlns:a16="http://schemas.microsoft.com/office/drawing/2014/main" id="{0A0C3D56-849D-4EE2-9885-F60ECFB3EA79}"/>
+                </a:ext>
+              </a:extLst>
+            </p:cNvPr>
+            <p:cNvSpPr/>
+            <p:nvPr/>
+          </p:nvSpPr>
+          <p:spPr>
+            <a:xfrm>
+              <a:off x="5213927" y="3939309"/>
+              <a:ext cx="1764145" cy="683491"/>
+            </a:xfrm>
+            <a:prstGeom prst="rect">
+              <a:avLst/>
+            </a:prstGeom>
+          </p:spPr>
+          <p:style>
+            <a:lnRef idx="2">
+              <a:schemeClr val="accent1">
+                <a:shade val="50000"/>
+              </a:schemeClr>
+            </a:lnRef>
+            <a:fillRef idx="1">
+              <a:schemeClr val="accent1"/>
+            </a:fillRef>
+            <a:effectRef idx="0">
+              <a:schemeClr val="accent1"/>
+            </a:effectRef>
+            <a:fontRef idx="minor">
+              <a:schemeClr val="lt1"/>
+            </a:fontRef>
+          </p:style>
+          <p:txBody>
+            <a:bodyPr rtlCol="0" anchor="ctr"/>
+            <a:lstStyle/>
+            <a:p>
+              <a:pPr algn="ctr"/>
+              <a:r>
+                <a:rPr lang="fr-BE" dirty="0"/>
+                <a:t>Model</a:t>
+              </a:r>
+              <a:endParaRPr lang="fr-FR" dirty="0"/>
+            </a:p>
+          </p:txBody>
+        </p:sp>
+        <p:sp>
+          <p:nvSpPr>
+            <p:cNvPr id="8" name="Flèche : droite 7">
+              <a:extLst>
+                <a:ext uri="{FF2B5EF4-FFF2-40B4-BE49-F238E27FC236}">
+                  <a16:creationId xmlns:a16="http://schemas.microsoft.com/office/drawing/2014/main" id="{053B6AC4-2BE2-4FB9-AE15-3CF782DE2D39}"/>
+                </a:ext>
+              </a:extLst>
+            </p:cNvPr>
+            <p:cNvSpPr/>
+            <p:nvPr/>
+          </p:nvSpPr>
+          <p:spPr>
+            <a:xfrm>
+              <a:off x="7123257" y="1929543"/>
+              <a:ext cx="820016" cy="341746"/>
+            </a:xfrm>
+            <a:prstGeom prst="rightArrow">
+              <a:avLst/>
+            </a:prstGeom>
+          </p:spPr>
+          <p:style>
+            <a:lnRef idx="2">
+              <a:schemeClr val="accent1">
+                <a:shade val="50000"/>
+              </a:schemeClr>
+            </a:lnRef>
+            <a:fillRef idx="1">
+              <a:schemeClr val="accent1"/>
+            </a:fillRef>
+            <a:effectRef idx="0">
+              <a:schemeClr val="accent1"/>
+            </a:effectRef>
+            <a:fontRef idx="minor">
+              <a:schemeClr val="lt1"/>
+            </a:fontRef>
+          </p:style>
+          <p:txBody>
+            <a:bodyPr rtlCol="0" anchor="ctr"/>
+            <a:lstStyle/>
+            <a:p>
+              <a:pPr algn="ctr"/>
+              <a:endParaRPr lang="fr-FR"/>
+            </a:p>
+          </p:txBody>
+        </p:sp>
+        <p:sp>
+          <p:nvSpPr>
+            <p:cNvPr id="9" name="Flèche : droite 8">
+              <a:extLst>
+                <a:ext uri="{FF2B5EF4-FFF2-40B4-BE49-F238E27FC236}">
+                  <a16:creationId xmlns:a16="http://schemas.microsoft.com/office/drawing/2014/main" id="{ACB95776-22B1-4BD3-BA0B-FF90BDE72006}"/>
+                </a:ext>
+              </a:extLst>
+            </p:cNvPr>
+            <p:cNvSpPr/>
+            <p:nvPr/>
+          </p:nvSpPr>
+          <p:spPr>
+            <a:xfrm>
+              <a:off x="4248727" y="1907308"/>
+              <a:ext cx="820016" cy="341746"/>
+            </a:xfrm>
+            <a:prstGeom prst="rightArrow">
+              <a:avLst/>
+            </a:prstGeom>
+          </p:spPr>
+          <p:style>
+            <a:lnRef idx="2">
+              <a:schemeClr val="accent1">
+                <a:shade val="50000"/>
+              </a:schemeClr>
+            </a:lnRef>
+            <a:fillRef idx="1">
+              <a:schemeClr val="accent1"/>
+            </a:fillRef>
+            <a:effectRef idx="0">
+              <a:schemeClr val="accent1"/>
+            </a:effectRef>
+            <a:fontRef idx="minor">
+              <a:schemeClr val="lt1"/>
+            </a:fontRef>
+          </p:style>
+          <p:txBody>
+            <a:bodyPr rtlCol="0" anchor="ctr"/>
+            <a:lstStyle/>
+            <a:p>
+              <a:pPr algn="ctr"/>
+              <a:endParaRPr lang="fr-FR"/>
+            </a:p>
+          </p:txBody>
+        </p:sp>
+        <p:sp>
+          <p:nvSpPr>
+            <p:cNvPr id="10" name="ZoneTexte 9">
+              <a:extLst>
+                <a:ext uri="{FF2B5EF4-FFF2-40B4-BE49-F238E27FC236}">
+                  <a16:creationId xmlns:a16="http://schemas.microsoft.com/office/drawing/2014/main" id="{92A71D2E-7173-41A5-B42E-C30D34E31334}"/>
+                </a:ext>
+              </a:extLst>
+            </p:cNvPr>
+            <p:cNvSpPr txBox="1"/>
+            <p:nvPr/>
+          </p:nvSpPr>
+          <p:spPr>
+            <a:xfrm>
+              <a:off x="2854036" y="1879722"/>
+              <a:ext cx="1394691" cy="369332"/>
+            </a:xfrm>
+            <a:prstGeom prst="rect">
+              <a:avLst/>
+            </a:prstGeom>
+            <a:noFill/>
+          </p:spPr>
+          <p:txBody>
+            <a:bodyPr wrap="square" rtlCol="0">
+              <a:spAutoFit/>
+            </a:bodyPr>
+            <a:lstStyle/>
+            <a:p>
+              <a:r>
+                <a:rPr lang="fr-BE" dirty="0"/>
+                <a:t>Training data</a:t>
+              </a:r>
+              <a:endParaRPr lang="fr-FR" dirty="0"/>
+            </a:p>
+          </p:txBody>
+        </p:sp>
+        <p:sp>
+          <p:nvSpPr>
+            <p:cNvPr id="11" name="Flèche : droite 10">
+              <a:extLst>
+                <a:ext uri="{FF2B5EF4-FFF2-40B4-BE49-F238E27FC236}">
+                  <a16:creationId xmlns:a16="http://schemas.microsoft.com/office/drawing/2014/main" id="{FC6F8D0B-BC2D-449A-9FE8-E440307CBBDA}"/>
+                </a:ext>
+              </a:extLst>
+            </p:cNvPr>
+            <p:cNvSpPr/>
+            <p:nvPr/>
+          </p:nvSpPr>
+          <p:spPr>
+            <a:xfrm>
+              <a:off x="4248726" y="3891674"/>
+              <a:ext cx="820016" cy="341746"/>
+            </a:xfrm>
+            <a:prstGeom prst="rightArrow">
+              <a:avLst/>
+            </a:prstGeom>
+          </p:spPr>
+          <p:style>
+            <a:lnRef idx="2">
+              <a:schemeClr val="accent1">
+                <a:shade val="50000"/>
+              </a:schemeClr>
+            </a:lnRef>
+            <a:fillRef idx="1">
+              <a:schemeClr val="accent1"/>
+            </a:fillRef>
+            <a:effectRef idx="0">
+              <a:schemeClr val="accent1"/>
+            </a:effectRef>
+            <a:fontRef idx="minor">
+              <a:schemeClr val="lt1"/>
+            </a:fontRef>
+          </p:style>
+          <p:txBody>
+            <a:bodyPr rtlCol="0" anchor="ctr"/>
+            <a:lstStyle/>
+            <a:p>
+              <a:pPr algn="ctr"/>
+              <a:endParaRPr lang="fr-FR"/>
+            </a:p>
+          </p:txBody>
+        </p:sp>
+        <p:sp>
+          <p:nvSpPr>
+            <p:cNvPr id="12" name="ZoneTexte 11">
+              <a:extLst>
+                <a:ext uri="{FF2B5EF4-FFF2-40B4-BE49-F238E27FC236}">
+                  <a16:creationId xmlns:a16="http://schemas.microsoft.com/office/drawing/2014/main" id="{839C0BAA-EB97-412A-9E28-FD8CDDAEF563}"/>
+                </a:ext>
+              </a:extLst>
+            </p:cNvPr>
+            <p:cNvSpPr txBox="1"/>
+            <p:nvPr/>
+          </p:nvSpPr>
+          <p:spPr>
+            <a:xfrm>
+              <a:off x="3121891" y="3876366"/>
+              <a:ext cx="1126835" cy="369332"/>
+            </a:xfrm>
+            <a:prstGeom prst="rect">
+              <a:avLst/>
+            </a:prstGeom>
+            <a:noFill/>
+          </p:spPr>
+          <p:txBody>
+            <a:bodyPr wrap="square" rtlCol="0">
+              <a:spAutoFit/>
+            </a:bodyPr>
+            <a:lstStyle/>
+            <a:p>
+              <a:r>
+                <a:rPr lang="fr-BE" dirty="0"/>
+                <a:t>New data</a:t>
+              </a:r>
+              <a:endParaRPr lang="fr-FR" dirty="0"/>
+            </a:p>
+          </p:txBody>
+        </p:sp>
+        <p:sp>
+          <p:nvSpPr>
+            <p:cNvPr id="13" name="Flèche : droite 12">
+              <a:extLst>
+                <a:ext uri="{FF2B5EF4-FFF2-40B4-BE49-F238E27FC236}">
+                  <a16:creationId xmlns:a16="http://schemas.microsoft.com/office/drawing/2014/main" id="{E23CF38A-506E-4EE0-ADAE-EFAAE9093E83}"/>
+                </a:ext>
+              </a:extLst>
+            </p:cNvPr>
+            <p:cNvSpPr/>
+            <p:nvPr/>
+          </p:nvSpPr>
+          <p:spPr>
+            <a:xfrm>
+              <a:off x="7123257" y="3891674"/>
+              <a:ext cx="820016" cy="341746"/>
+            </a:xfrm>
+            <a:prstGeom prst="rightArrow">
+              <a:avLst/>
+            </a:prstGeom>
+          </p:spPr>
+          <p:style>
+            <a:lnRef idx="2">
+              <a:schemeClr val="accent1">
+                <a:shade val="50000"/>
+              </a:schemeClr>
+            </a:lnRef>
+            <a:fillRef idx="1">
+              <a:schemeClr val="accent1"/>
+            </a:fillRef>
+            <a:effectRef idx="0">
+              <a:schemeClr val="accent1"/>
+            </a:effectRef>
+            <a:fontRef idx="minor">
+              <a:schemeClr val="lt1"/>
+            </a:fontRef>
+          </p:style>
+          <p:txBody>
+            <a:bodyPr rtlCol="0" anchor="ctr"/>
+            <a:lstStyle/>
+            <a:p>
+              <a:pPr algn="ctr"/>
+              <a:endParaRPr lang="fr-FR"/>
+            </a:p>
+          </p:txBody>
+        </p:sp>
+        <p:sp>
+          <p:nvSpPr>
+            <p:cNvPr id="14" name="ZoneTexte 13">
+              <a:extLst>
+                <a:ext uri="{FF2B5EF4-FFF2-40B4-BE49-F238E27FC236}">
+                  <a16:creationId xmlns:a16="http://schemas.microsoft.com/office/drawing/2014/main" id="{EC1CECE8-1DA3-46EC-B53B-1F9F2EBAC42F}"/>
+                </a:ext>
+              </a:extLst>
+            </p:cNvPr>
+            <p:cNvSpPr txBox="1"/>
+            <p:nvPr/>
+          </p:nvSpPr>
+          <p:spPr>
+            <a:xfrm>
+              <a:off x="7943273" y="3876366"/>
+              <a:ext cx="1234498" cy="369332"/>
+            </a:xfrm>
+            <a:prstGeom prst="rect">
+              <a:avLst/>
+            </a:prstGeom>
+            <a:noFill/>
+          </p:spPr>
+          <p:txBody>
+            <a:bodyPr wrap="square" rtlCol="0">
+              <a:spAutoFit/>
+            </a:bodyPr>
+            <a:lstStyle/>
+            <a:p>
+              <a:r>
+                <a:rPr lang="fr-BE" dirty="0" err="1"/>
+                <a:t>Prediction</a:t>
+              </a:r>
+              <a:endParaRPr lang="fr-FR" dirty="0"/>
+            </a:p>
+          </p:txBody>
+        </p:sp>
+      </p:grpSp>
     </p:spTree>
     <p:extLst>
       <p:ext uri="{BB962C8B-B14F-4D97-AF65-F5344CB8AC3E}">
